--- a/Frontend/AutoDiff/04.implement.pptx
+++ b/Frontend/AutoDiff/04.implement.pptx
@@ -389,7 +389,7 @@
               <a:pPr>
                 <a:defRPr/>
               </a:pPr>
-              <a:t>2022/12/14</a:t>
+              <a:t>2023/1/6</a:t>
             </a:fld>
             <a:endParaRPr lang="en-US" altLang="zh-CN"/>
           </a:p>
@@ -642,7 +642,7 @@
             <a:fld id="{C45443A1-D8F2-48CD-A659-3CEDBA8DF541}" type="datetimeFigureOut">
               <a:rPr lang="zh-CN" altLang="en-US" smtClean="0"/>
               <a:pPr/>
-              <a:t>2022/12/14</a:t>
+              <a:t>2023/1/6</a:t>
             </a:fld>
             <a:endParaRPr lang="zh-CN" altLang="en-US"/>
           </a:p>
@@ -16834,42 +16834,6 @@
           </a:p>
         </p:txBody>
       </p:sp>
-      <p:pic>
-        <p:nvPicPr>
-          <p:cNvPr id="4" name="图片 3">
-            <a:extLst>
-              <a:ext uri="{FF2B5EF4-FFF2-40B4-BE49-F238E27FC236}">
-                <a16:creationId xmlns:a16="http://schemas.microsoft.com/office/drawing/2014/main" id="{F5B8B6A7-49E6-8141-A13C-2368F4842BB3}"/>
-              </a:ext>
-            </a:extLst>
-          </p:cNvPr>
-          <p:cNvPicPr>
-            <a:picLocks noChangeAspect="1"/>
-          </p:cNvPicPr>
-          <p:nvPr/>
-        </p:nvPicPr>
-        <p:blipFill>
-          <a:blip r:embed="rId3" cstate="screen">
-            <a:extLst>
-              <a:ext uri="{28A0092B-C50C-407E-A947-70E740481C1C}">
-                <a14:useLocalDpi xmlns:a14="http://schemas.microsoft.com/office/drawing/2010/main"/>
-              </a:ext>
-            </a:extLst>
-          </a:blip>
-          <a:stretch>
-            <a:fillRect/>
-          </a:stretch>
-        </p:blipFill>
-        <p:spPr>
-          <a:xfrm>
-            <a:off x="3218061" y="1274975"/>
-            <a:ext cx="8065233" cy="4464496"/>
-          </a:xfrm>
-          <a:prstGeom prst="rect">
-            <a:avLst/>
-          </a:prstGeom>
-        </p:spPr>
-      </p:pic>
       <p:sp>
         <p:nvSpPr>
           <p:cNvPr id="5" name="内容占位符 2">
@@ -17011,6 +16975,42 @@
           </a:p>
         </p:txBody>
       </p:sp>
+      <p:pic>
+        <p:nvPicPr>
+          <p:cNvPr id="6" name="图片 5">
+            <a:extLst>
+              <a:ext uri="{FF2B5EF4-FFF2-40B4-BE49-F238E27FC236}">
+                <a16:creationId xmlns:a16="http://schemas.microsoft.com/office/drawing/2014/main" id="{8EE51BE7-0DFE-9C4C-814E-DD1EB497D782}"/>
+              </a:ext>
+            </a:extLst>
+          </p:cNvPr>
+          <p:cNvPicPr>
+            <a:picLocks noChangeAspect="1"/>
+          </p:cNvPicPr>
+          <p:nvPr/>
+        </p:nvPicPr>
+        <p:blipFill>
+          <a:blip r:embed="rId3" cstate="screen">
+            <a:extLst>
+              <a:ext uri="{28A0092B-C50C-407E-A947-70E740481C1C}">
+                <a14:useLocalDpi xmlns:a14="http://schemas.microsoft.com/office/drawing/2010/main"/>
+              </a:ext>
+            </a:extLst>
+          </a:blip>
+          <a:stretch>
+            <a:fillRect/>
+          </a:stretch>
+        </p:blipFill>
+        <p:spPr>
+          <a:xfrm>
+            <a:off x="3002037" y="1124744"/>
+            <a:ext cx="8727401" cy="5112568"/>
+          </a:xfrm>
+          <a:prstGeom prst="rect">
+            <a:avLst/>
+          </a:prstGeom>
+        </p:spPr>
+      </p:pic>
     </p:spTree>
     <p:extLst>
       <p:ext uri="{BB962C8B-B14F-4D97-AF65-F5344CB8AC3E}">
